--- a/졸업작품 제안서/졸업작품 제안서 ver4.pptx
+++ b/졸업작품 제안서/졸업작품 제안서 ver4.pptx
@@ -2,10 +2,10 @@
 <file path=ppt/presentation.xml><?xml version="1.0" encoding="utf-8"?>
 <p:presentation xmlns:r="http://schemas.openxmlformats.org/officeDocument/2006/relationships" xmlns:c="http://schemas.openxmlformats.org/drawingml/2006/chart" xmlns:a="http://schemas.openxmlformats.org/drawingml/2006/main" xmlns:dgm="http://schemas.openxmlformats.org/drawingml/2006/diagram" xmlns:dsp="http://schemas.microsoft.com/office/drawing/2008/diagram" xmlns:p="http://schemas.openxmlformats.org/presentationml/2006/main">
   <p:sldMasterIdLst>
-    <p:sldMasterId id="2147483664" r:id="rId1"/>
-    <p:sldMasterId id="2147483665" r:id="rId2"/>
-    <p:sldMasterId id="2147483666" r:id="rId3"/>
-    <p:sldMasterId id="2147483667" r:id="rId4"/>
+    <p:sldMasterId id="2147483680" r:id="rId1"/>
+    <p:sldMasterId id="2147483681" r:id="rId2"/>
+    <p:sldMasterId id="2147483682" r:id="rId3"/>
+    <p:sldMasterId id="2147483683" r:id="rId4"/>
   </p:sldMasterIdLst>
   <p:sldIdLst>
     <p:sldId id="257" r:id="rId5"/>
@@ -19609,6 +19609,95 @@
           </a:graphicData>
         </a:graphic>
       </p:graphicFrame>
+      <p:sp>
+        <p:nvSpPr>
+          <p:cNvPr id="39" name=""/>
+          <p:cNvSpPr txBox="1"/>
+          <p:nvPr/>
+        </p:nvSpPr>
+        <p:spPr>
+          <a:xfrm>
+            <a:off x="2516909" y="2919076"/>
+            <a:ext cx="1808787" cy="365605"/>
+          </a:xfrm>
+          <a:prstGeom prst="rect">
+            <a:avLst/>
+          </a:prstGeom>
+          <a:ln>
+            <a:solidFill>
+              <a:schemeClr val="lt1"/>
+            </a:solidFill>
+          </a:ln>
+        </p:spPr>
+        <p:txBody>
+          <a:bodyPr wrap="square">
+            <a:spAutoFit/>
+          </a:bodyPr>
+          <a:p>
+            <a:pPr algn="ctr">
+              <a:defRPr/>
+            </a:pPr>
+            <a:r>
+              <a:rPr lang="ko-KR" altLang="en-US" b="1">
+                <a:solidFill>
+                  <a:schemeClr val="lt1"/>
+                </a:solidFill>
+              </a:rPr>
+              <a:t>아리온</a:t>
+            </a:r>
+            <a:endParaRPr lang="ko-KR" altLang="en-US" b="1">
+              <a:solidFill>
+                <a:schemeClr val="lt1"/>
+              </a:solidFill>
+            </a:endParaRPr>
+          </a:p>
+        </p:txBody>
+      </p:sp>
+      <p:sp>
+        <p:nvSpPr>
+          <p:cNvPr id="40" name=""/>
+          <p:cNvSpPr txBox="1"/>
+          <p:nvPr/>
+        </p:nvSpPr>
+        <p:spPr>
+          <a:xfrm>
+            <a:off x="2553855" y="5428384"/>
+            <a:ext cx="1808787" cy="365605"/>
+          </a:xfrm>
+          <a:prstGeom prst="rect">
+            <a:avLst/>
+          </a:prstGeom>
+          <a:ln>
+            <a:solidFill>
+              <a:schemeClr val="lt1"/>
+            </a:solidFill>
+          </a:ln>
+        </p:spPr>
+        <p:txBody>
+          <a:bodyPr wrap="square">
+            <a:spAutoFit/>
+          </a:bodyPr>
+          <a:lstStyle/>
+          <a:p>
+            <a:pPr algn="ctr">
+              <a:defRPr/>
+            </a:pPr>
+            <a:r>
+              <a:rPr lang="ko-KR" altLang="en-US" b="1">
+                <a:solidFill>
+                  <a:schemeClr val="lt1"/>
+                </a:solidFill>
+              </a:rPr>
+              <a:t>단테</a:t>
+            </a:r>
+            <a:endParaRPr lang="ko-KR" altLang="en-US" b="1">
+              <a:solidFill>
+                <a:schemeClr val="lt1"/>
+              </a:solidFill>
+            </a:endParaRPr>
+          </a:p>
+        </p:txBody>
+      </p:sp>
     </p:spTree>
   </p:cSld>
   <p:clrMapOvr>
@@ -19845,7 +19934,7 @@
         </p:nvGraphicFramePr>
         <p:xfrm>
           <a:off x="6120765" y="1080135"/>
-          <a:ext cx="4341090" cy="2124075"/>
+          <a:ext cx="4341089" cy="2124075"/>
         </p:xfrm>
         <a:graphic>
           <a:graphicData uri="http://schemas.openxmlformats.org/drawingml/2006/table">
@@ -20525,7 +20614,7 @@
         </p:nvGraphicFramePr>
         <p:xfrm>
           <a:off x="6120765" y="3600450"/>
-          <a:ext cx="4345207" cy="2150755"/>
+          <a:ext cx="4345206" cy="2150755"/>
         </p:xfrm>
         <a:graphic>
           <a:graphicData uri="http://schemas.openxmlformats.org/drawingml/2006/table">
@@ -21195,6 +21284,96 @@
           </a:graphicData>
         </a:graphic>
       </p:graphicFrame>
+      <p:sp>
+        <p:nvSpPr>
+          <p:cNvPr id="37" name=""/>
+          <p:cNvSpPr txBox="1"/>
+          <p:nvPr/>
+        </p:nvSpPr>
+        <p:spPr>
+          <a:xfrm>
+            <a:off x="2553855" y="5428384"/>
+            <a:ext cx="1808787" cy="365605"/>
+          </a:xfrm>
+          <a:prstGeom prst="rect">
+            <a:avLst/>
+          </a:prstGeom>
+          <a:ln>
+            <a:solidFill>
+              <a:schemeClr val="lt1"/>
+            </a:solidFill>
+          </a:ln>
+        </p:spPr>
+        <p:txBody>
+          <a:bodyPr wrap="square">
+            <a:spAutoFit/>
+          </a:bodyPr>
+          <a:lstStyle/>
+          <a:p>
+            <a:pPr algn="ctr">
+              <a:defRPr/>
+            </a:pPr>
+            <a:r>
+              <a:rPr lang="ko-KR" altLang="en-US" b="1">
+                <a:solidFill>
+                  <a:schemeClr val="lt1"/>
+                </a:solidFill>
+              </a:rPr>
+              <a:t>크라토스</a:t>
+            </a:r>
+            <a:endParaRPr lang="ko-KR" altLang="en-US" b="1">
+              <a:solidFill>
+                <a:schemeClr val="lt1"/>
+              </a:solidFill>
+            </a:endParaRPr>
+          </a:p>
+        </p:txBody>
+      </p:sp>
+      <p:sp>
+        <p:nvSpPr>
+          <p:cNvPr id="38" name=""/>
+          <p:cNvSpPr txBox="1"/>
+          <p:nvPr/>
+        </p:nvSpPr>
+        <p:spPr>
+          <a:xfrm>
+            <a:off x="2516909" y="2919076"/>
+            <a:ext cx="1808787" cy="365605"/>
+          </a:xfrm>
+          <a:prstGeom prst="rect">
+            <a:avLst/>
+          </a:prstGeom>
+          <a:ln>
+            <a:solidFill>
+              <a:schemeClr val="lt1"/>
+            </a:solidFill>
+          </a:ln>
+        </p:spPr>
+        <p:txBody>
+          <a:bodyPr wrap="square">
+            <a:spAutoFit/>
+          </a:bodyPr>
+          <a:lstStyle/>
+          <a:p>
+            <a:pPr algn="ctr">
+              <a:defRPr/>
+            </a:pPr>
+            <a:r>
+              <a:rPr lang="ko-KR" altLang="en-US" b="1">
+                <a:solidFill>
+                  <a:schemeClr val="lt1"/>
+                </a:solidFill>
+              </a:rPr>
+              <a:t>에단</a:t>
+            </a:r>
+            <a:endParaRPr lang="ko-KR" altLang="en-US" b="1">
+              <a:solidFill>
+                <a:schemeClr val="lt1"/>
+              </a:solidFill>
+            </a:endParaRPr>
+          </a:p>
+        </p:txBody>
+      </p:sp>
     </p:spTree>
   </p:cSld>
   <p:clrMapOvr>

--- a/졸업작품 제안서/졸업작품 제안서 ver4.pptx
+++ b/졸업작품 제안서/졸업작품 제안서 ver4.pptx
@@ -2,10 +2,10 @@
 <file path=ppt/presentation.xml><?xml version="1.0" encoding="utf-8"?>
 <p:presentation xmlns:r="http://schemas.openxmlformats.org/officeDocument/2006/relationships" xmlns:c="http://schemas.openxmlformats.org/drawingml/2006/chart" xmlns:a="http://schemas.openxmlformats.org/drawingml/2006/main" xmlns:dgm="http://schemas.openxmlformats.org/drawingml/2006/diagram" xmlns:dsp="http://schemas.microsoft.com/office/drawing/2008/diagram" xmlns:p="http://schemas.openxmlformats.org/presentationml/2006/main">
   <p:sldMasterIdLst>
-    <p:sldMasterId id="2147483680" r:id="rId1"/>
-    <p:sldMasterId id="2147483681" r:id="rId2"/>
-    <p:sldMasterId id="2147483682" r:id="rId3"/>
-    <p:sldMasterId id="2147483683" r:id="rId4"/>
+    <p:sldMasterId id="2147483692" r:id="rId1"/>
+    <p:sldMasterId id="2147483693" r:id="rId2"/>
+    <p:sldMasterId id="2147483694" r:id="rId3"/>
+    <p:sldMasterId id="2147483695" r:id="rId4"/>
   </p:sldMasterIdLst>
   <p:sldIdLst>
     <p:sldId id="257" r:id="rId5"/>
@@ -2530,7 +2530,7 @@
               </a:rPr>
               <a:t>라이플</a:t>
             </a:r>
-            <a:endParaRPr lang="ko-KR" altLang="en-US" sz="2400" b="1">
+            <a:endParaRPr lang="ko-KR" altLang="en-US" sz="2200" b="1">
               <a:solidFill>
                 <a:schemeClr val="lt1"/>
               </a:solidFill>
@@ -2735,7 +2735,7 @@
               </a:rPr>
               <a:t>샷건</a:t>
             </a:r>
-            <a:endParaRPr lang="ko-KR" altLang="en-US" sz="2400" b="1">
+            <a:endParaRPr lang="ko-KR" altLang="en-US" sz="2200" b="1">
               <a:solidFill>
                 <a:schemeClr val="lt1"/>
               </a:solidFill>
@@ -2801,9 +2801,33 @@
                   <a:schemeClr val="lt1"/>
                 </a:solidFill>
               </a:rPr>
-              <a:t>★★★★☆ </a:t>
-            </a:r>
-            <a:endParaRPr lang="ko-KR" altLang="en-US" b="1">
+              <a:t>★★★★☆</a:t>
+            </a:r>
+            <a:r>
+              <a:rPr lang="en-US" altLang="ko-KR" b="1">
+                <a:solidFill>
+                  <a:schemeClr val="lt1"/>
+                </a:solidFill>
+              </a:rPr>
+              <a:t>(</a:t>
+            </a:r>
+            <a:r>
+              <a:rPr lang="ko-KR" altLang="en-US" b="1">
+                <a:solidFill>
+                  <a:schemeClr val="lt1"/>
+                </a:solidFill>
+              </a:rPr>
+              <a:t>방사형</a:t>
+            </a:r>
+            <a:r>
+              <a:rPr lang="en-US" altLang="ko-KR" b="1">
+                <a:solidFill>
+                  <a:schemeClr val="lt1"/>
+                </a:solidFill>
+              </a:rPr>
+              <a:t>)</a:t>
+            </a:r>
+            <a:endParaRPr lang="en-US" altLang="ko-KR" b="1">
               <a:solidFill>
                 <a:schemeClr val="lt1"/>
               </a:solidFill>
@@ -2930,7 +2954,7 @@
         <p:spPr>
           <a:xfrm>
             <a:off x="7456242" y="4559357"/>
-            <a:ext cx="3742654" cy="1787679"/>
+            <a:ext cx="3742654" cy="1791913"/>
           </a:xfrm>
           <a:prstGeom prst="rect">
             <a:avLst/>
@@ -2956,7 +2980,7 @@
               </a:rPr>
               <a:t>로켓 런처</a:t>
             </a:r>
-            <a:endParaRPr lang="ko-KR" altLang="en-US" sz="2400" b="1">
+            <a:endParaRPr lang="ko-KR" altLang="en-US" sz="2200" b="1">
               <a:solidFill>
                 <a:schemeClr val="lt1"/>
               </a:solidFill>
@@ -3022,7 +3046,31 @@
                   <a:schemeClr val="lt1"/>
                 </a:solidFill>
               </a:rPr>
-              <a:t>★★★★★ </a:t>
+              <a:t>★★★★★</a:t>
+            </a:r>
+            <a:r>
+              <a:rPr lang="en-US" altLang="ko-KR" b="1">
+                <a:solidFill>
+                  <a:schemeClr val="lt1"/>
+                </a:solidFill>
+              </a:rPr>
+              <a:t>(</a:t>
+            </a:r>
+            <a:r>
+              <a:rPr lang="ko-KR" altLang="en-US" b="1">
+                <a:solidFill>
+                  <a:schemeClr val="lt1"/>
+                </a:solidFill>
+              </a:rPr>
+              <a:t>방사형</a:t>
+            </a:r>
+            <a:r>
+              <a:rPr lang="en-US" altLang="ko-KR" b="1">
+                <a:solidFill>
+                  <a:schemeClr val="lt1"/>
+                </a:solidFill>
+              </a:rPr>
+              <a:t>)</a:t>
             </a:r>
             <a:br>
               <a:rPr lang="ko-KR" altLang="en-US" b="1">
@@ -15957,7 +16005,7 @@
         <p:spPr>
           <a:xfrm>
             <a:off x="470535" y="1631052"/>
-            <a:ext cx="1592580" cy="523220"/>
+            <a:ext cx="1592580" cy="824493"/>
           </a:xfrm>
           <a:prstGeom prst="rect">
             <a:avLst/>
@@ -15984,6 +16032,28 @@
               <a:t>게임소개</a:t>
             </a:r>
             <a:endParaRPr lang="ko-KR" altLang="en-US" sz="2800">
+              <a:solidFill>
+                <a:schemeClr val="bg1"/>
+              </a:solidFill>
+              <a:latin typeface="나눔스퀘어 Light"/>
+              <a:ea typeface="나눔스퀘어 Light"/>
+            </a:endParaRPr>
+          </a:p>
+          <a:p>
+            <a:pPr algn="ctr">
+              <a:defRPr/>
+            </a:pPr>
+            <a:r>
+              <a:rPr lang="ko-KR" altLang="en-US" sz="2000">
+                <a:solidFill>
+                  <a:schemeClr val="bg1"/>
+                </a:solidFill>
+                <a:latin typeface="나눔스퀘어 Light"/>
+                <a:ea typeface="나눔스퀘어 Light"/>
+              </a:rPr>
+              <a:t>요약</a:t>
+            </a:r>
+            <a:endParaRPr lang="ko-KR" altLang="en-US" sz="2000">
               <a:solidFill>
                 <a:schemeClr val="bg1"/>
               </a:solidFill>
@@ -16191,7 +16261,7 @@
               </a:rPr>
               <a:t>인칭 슈팅게임</a:t>
             </a:r>
-            <a:endParaRPr lang="ko-KR" altLang="en-US" sz="2000">
+            <a:endParaRPr lang="ko-KR" altLang="en-US" sz="2500" b="1">
               <a:solidFill>
                 <a:schemeClr val="lt1"/>
               </a:solidFill>
